--- a/Session 05 - Embedding Power BI Reports using React.js.pptx
+++ b/Session 05 - Embedding Power BI Reports using React.js.pptx
@@ -25,15 +25,15 @@
     <p:sldId id="330" r:id="rId16"/>
     <p:sldId id="333" r:id="rId17"/>
     <p:sldId id="331" r:id="rId18"/>
-    <p:sldId id="324" r:id="rId19"/>
-    <p:sldId id="325" r:id="rId20"/>
-    <p:sldId id="326" r:id="rId21"/>
-    <p:sldId id="327" r:id="rId22"/>
-    <p:sldId id="339" r:id="rId23"/>
-    <p:sldId id="340" r:id="rId24"/>
-    <p:sldId id="341" r:id="rId25"/>
-    <p:sldId id="342" r:id="rId26"/>
-    <p:sldId id="343" r:id="rId27"/>
+    <p:sldId id="339" r:id="rId19"/>
+    <p:sldId id="340" r:id="rId20"/>
+    <p:sldId id="341" r:id="rId21"/>
+    <p:sldId id="342" r:id="rId22"/>
+    <p:sldId id="343" r:id="rId23"/>
+    <p:sldId id="324" r:id="rId24"/>
+    <p:sldId id="325" r:id="rId25"/>
+    <p:sldId id="326" r:id="rId26"/>
+    <p:sldId id="327" r:id="rId27"/>
     <p:sldId id="4642" r:id="rId28"/>
     <p:sldId id="4648" r:id="rId29"/>
     <p:sldId id="4651" r:id="rId30"/>
@@ -491,7 +491,7 @@
           <a:p>
             <a:fld id="{DCE60099-03E7-4FA1-8A7F-E6E6CFB0F855}" type="datetime8">
               <a:rPr lang="en-US" smtClean="0"/>
-              <a:t>12/16/2020 6:23 PM</a:t>
+              <a:t>12/17/2020 12:50 PM</a:t>
             </a:fld>
             <a:endParaRPr lang="en-US"/>
           </a:p>
@@ -5168,6 +5168,967 @@
       </p:grpSpPr>
       <p:sp>
         <p:nvSpPr>
+          <p:cNvPr id="2" name="Title 1">
+            <a:extLst>
+              <a:ext uri="{FF2B5EF4-FFF2-40B4-BE49-F238E27FC236}">
+                <a16:creationId xmlns:a16="http://schemas.microsoft.com/office/drawing/2014/main" id="{6800E905-9DC9-4F0C-8D9F-45B80F15B9D3}"/>
+              </a:ext>
+            </a:extLst>
+          </p:cNvPr>
+          <p:cNvSpPr>
+            <a:spLocks noGrp="1"/>
+          </p:cNvSpPr>
+          <p:nvPr>
+            <p:ph type="title"/>
+          </p:nvPr>
+        </p:nvSpPr>
+        <p:spPr/>
+        <p:txBody>
+          <a:bodyPr/>
+          <a:lstStyle/>
+          <a:p>
+            <a:r>
+              <a:rPr lang="en-US" dirty="0"/>
+              <a:t>Starter Project - </a:t>
+            </a:r>
+            <a:r>
+              <a:rPr lang="en-US" dirty="0" err="1"/>
+              <a:t>package.json</a:t>
+            </a:r>
+            <a:endParaRPr lang="en-US" dirty="0"/>
+          </a:p>
+        </p:txBody>
+      </p:sp>
+      <p:pic>
+        <p:nvPicPr>
+          <p:cNvPr id="5" name="Picture 4">
+            <a:extLst>
+              <a:ext uri="{FF2B5EF4-FFF2-40B4-BE49-F238E27FC236}">
+                <a16:creationId xmlns:a16="http://schemas.microsoft.com/office/drawing/2014/main" id="{ACAB5AEE-400C-4D07-A804-0562EE41A33E}"/>
+              </a:ext>
+            </a:extLst>
+          </p:cNvPr>
+          <p:cNvPicPr>
+            <a:picLocks noChangeAspect="1"/>
+          </p:cNvPicPr>
+          <p:nvPr/>
+        </p:nvPicPr>
+        <p:blipFill>
+          <a:blip r:embed="rId2"/>
+          <a:stretch>
+            <a:fillRect/>
+          </a:stretch>
+        </p:blipFill>
+        <p:spPr>
+          <a:xfrm>
+            <a:off x="663678" y="1217569"/>
+            <a:ext cx="8206945" cy="5479676"/>
+          </a:xfrm>
+          <a:prstGeom prst="rect">
+            <a:avLst/>
+          </a:prstGeom>
+          <a:ln>
+            <a:solidFill>
+              <a:schemeClr val="tx1"/>
+            </a:solidFill>
+          </a:ln>
+        </p:spPr>
+      </p:pic>
+    </p:spTree>
+    <p:extLst>
+      <p:ext uri="{BB962C8B-B14F-4D97-AF65-F5344CB8AC3E}">
+        <p14:creationId xmlns:p14="http://schemas.microsoft.com/office/powerpoint/2010/main" val="1688452851"/>
+      </p:ext>
+    </p:extLst>
+  </p:cSld>
+  <p:clrMapOvr>
+    <a:masterClrMapping/>
+  </p:clrMapOvr>
+  <p:transition>
+    <p:fade/>
+  </p:transition>
+</p:sld>
+</file>
+
+<file path=ppt/slides/slide16.xml><?xml version="1.0" encoding="utf-8"?>
+<p:sld xmlns:a="http://schemas.openxmlformats.org/drawingml/2006/main" xmlns:r="http://schemas.openxmlformats.org/officeDocument/2006/relationships" xmlns:p="http://schemas.openxmlformats.org/presentationml/2006/main">
+  <p:cSld>
+    <p:spTree>
+      <p:nvGrpSpPr>
+        <p:cNvPr id="1" name=""/>
+        <p:cNvGrpSpPr/>
+        <p:nvPr/>
+      </p:nvGrpSpPr>
+      <p:grpSpPr>
+        <a:xfrm>
+          <a:off x="0" y="0"/>
+          <a:ext cx="0" cy="0"/>
+          <a:chOff x="0" y="0"/>
+          <a:chExt cx="0" cy="0"/>
+        </a:xfrm>
+      </p:grpSpPr>
+      <p:sp>
+        <p:nvSpPr>
+          <p:cNvPr id="2" name="Title 1">
+            <a:extLst>
+              <a:ext uri="{FF2B5EF4-FFF2-40B4-BE49-F238E27FC236}">
+                <a16:creationId xmlns:a16="http://schemas.microsoft.com/office/drawing/2014/main" id="{0AB220B1-D38E-4C30-AB77-8C0B9B458632}"/>
+              </a:ext>
+            </a:extLst>
+          </p:cNvPr>
+          <p:cNvSpPr>
+            <a:spLocks noGrp="1"/>
+          </p:cNvSpPr>
+          <p:nvPr>
+            <p:ph type="title"/>
+          </p:nvPr>
+        </p:nvSpPr>
+        <p:spPr/>
+        <p:txBody>
+          <a:bodyPr/>
+          <a:lstStyle/>
+          <a:p>
+            <a:r>
+              <a:rPr lang="en-US" dirty="0"/>
+              <a:t>Starter Project - webpack.config.js</a:t>
+            </a:r>
+          </a:p>
+        </p:txBody>
+      </p:sp>
+      <p:pic>
+        <p:nvPicPr>
+          <p:cNvPr id="7" name="Picture 6">
+            <a:extLst>
+              <a:ext uri="{FF2B5EF4-FFF2-40B4-BE49-F238E27FC236}">
+                <a16:creationId xmlns:a16="http://schemas.microsoft.com/office/drawing/2014/main" id="{D1F704FB-BD7A-49E5-BD03-0F661D1E98E5}"/>
+              </a:ext>
+            </a:extLst>
+          </p:cNvPr>
+          <p:cNvPicPr>
+            <a:picLocks noChangeAspect="1"/>
+          </p:cNvPicPr>
+          <p:nvPr/>
+        </p:nvPicPr>
+        <p:blipFill>
+          <a:blip r:embed="rId2"/>
+          <a:stretch>
+            <a:fillRect/>
+          </a:stretch>
+        </p:blipFill>
+        <p:spPr>
+          <a:xfrm>
+            <a:off x="667082" y="931954"/>
+            <a:ext cx="8676617" cy="5909075"/>
+          </a:xfrm>
+          <a:prstGeom prst="rect">
+            <a:avLst/>
+          </a:prstGeom>
+          <a:ln>
+            <a:solidFill>
+              <a:schemeClr val="tx1"/>
+            </a:solidFill>
+          </a:ln>
+        </p:spPr>
+      </p:pic>
+    </p:spTree>
+    <p:extLst>
+      <p:ext uri="{BB962C8B-B14F-4D97-AF65-F5344CB8AC3E}">
+        <p14:creationId xmlns:p14="http://schemas.microsoft.com/office/powerpoint/2010/main" val="2187960592"/>
+      </p:ext>
+    </p:extLst>
+  </p:cSld>
+  <p:clrMapOvr>
+    <a:masterClrMapping/>
+  </p:clrMapOvr>
+</p:sld>
+</file>
+
+<file path=ppt/slides/slide17.xml><?xml version="1.0" encoding="utf-8"?>
+<p:sld xmlns:a="http://schemas.openxmlformats.org/drawingml/2006/main" xmlns:r="http://schemas.openxmlformats.org/officeDocument/2006/relationships" xmlns:p="http://schemas.openxmlformats.org/presentationml/2006/main">
+  <p:cSld>
+    <p:spTree>
+      <p:nvGrpSpPr>
+        <p:cNvPr id="1" name=""/>
+        <p:cNvGrpSpPr/>
+        <p:nvPr/>
+      </p:nvGrpSpPr>
+      <p:grpSpPr>
+        <a:xfrm>
+          <a:off x="0" y="0"/>
+          <a:ext cx="0" cy="0"/>
+          <a:chOff x="0" y="0"/>
+          <a:chExt cx="0" cy="0"/>
+        </a:xfrm>
+      </p:grpSpPr>
+      <p:sp>
+        <p:nvSpPr>
+          <p:cNvPr id="2" name="Title 1">
+            <a:extLst>
+              <a:ext uri="{FF2B5EF4-FFF2-40B4-BE49-F238E27FC236}">
+                <a16:creationId xmlns:a16="http://schemas.microsoft.com/office/drawing/2014/main" id="{011F3F2D-3102-4DD0-9174-2B03C93EDBB9}"/>
+              </a:ext>
+            </a:extLst>
+          </p:cNvPr>
+          <p:cNvSpPr>
+            <a:spLocks noGrp="1"/>
+          </p:cNvSpPr>
+          <p:nvPr>
+            <p:ph type="title"/>
+          </p:nvPr>
+        </p:nvSpPr>
+        <p:spPr/>
+        <p:txBody>
+          <a:bodyPr/>
+          <a:lstStyle/>
+          <a:p>
+            <a:r>
+              <a:rPr lang="en-US" dirty="0"/>
+              <a:t>The Top-level App Component</a:t>
+            </a:r>
+          </a:p>
+        </p:txBody>
+      </p:sp>
+      <p:pic>
+        <p:nvPicPr>
+          <p:cNvPr id="3" name="Picture 2">
+            <a:extLst>
+              <a:ext uri="{FF2B5EF4-FFF2-40B4-BE49-F238E27FC236}">
+                <a16:creationId xmlns:a16="http://schemas.microsoft.com/office/drawing/2014/main" id="{3CA758C7-C6BD-445B-883A-A4693616E54D}"/>
+              </a:ext>
+            </a:extLst>
+          </p:cNvPr>
+          <p:cNvPicPr>
+            <a:picLocks noChangeAspect="1"/>
+          </p:cNvPicPr>
+          <p:nvPr/>
+        </p:nvPicPr>
+        <p:blipFill>
+          <a:blip r:embed="rId2"/>
+          <a:stretch>
+            <a:fillRect/>
+          </a:stretch>
+        </p:blipFill>
+        <p:spPr>
+          <a:xfrm>
+            <a:off x="743158" y="1059540"/>
+            <a:ext cx="8637148" cy="4196715"/>
+          </a:xfrm>
+          <a:prstGeom prst="rect">
+            <a:avLst/>
+          </a:prstGeom>
+          <a:ln>
+            <a:solidFill>
+              <a:schemeClr val="tx1">
+                <a:lumMod val="50000"/>
+                <a:lumOff val="50000"/>
+              </a:schemeClr>
+            </a:solidFill>
+          </a:ln>
+        </p:spPr>
+      </p:pic>
+    </p:spTree>
+    <p:extLst>
+      <p:ext uri="{BB962C8B-B14F-4D97-AF65-F5344CB8AC3E}">
+        <p14:creationId xmlns:p14="http://schemas.microsoft.com/office/powerpoint/2010/main" val="3365722050"/>
+      </p:ext>
+    </p:extLst>
+  </p:cSld>
+  <p:clrMapOvr>
+    <a:masterClrMapping/>
+  </p:clrMapOvr>
+</p:sld>
+</file>
+
+<file path=ppt/slides/slide18.xml><?xml version="1.0" encoding="utf-8"?>
+<p:sld xmlns:a="http://schemas.openxmlformats.org/drawingml/2006/main" xmlns:r="http://schemas.openxmlformats.org/officeDocument/2006/relationships" xmlns:p="http://schemas.openxmlformats.org/presentationml/2006/main">
+  <p:cSld>
+    <p:spTree>
+      <p:nvGrpSpPr>
+        <p:cNvPr id="1" name=""/>
+        <p:cNvGrpSpPr/>
+        <p:nvPr/>
+      </p:nvGrpSpPr>
+      <p:grpSpPr>
+        <a:xfrm>
+          <a:off x="0" y="0"/>
+          <a:ext cx="0" cy="0"/>
+          <a:chOff x="0" y="0"/>
+          <a:chExt cx="0" cy="0"/>
+        </a:xfrm>
+      </p:grpSpPr>
+      <p:sp>
+        <p:nvSpPr>
+          <p:cNvPr id="2" name="Title 1">
+            <a:extLst>
+              <a:ext uri="{FF2B5EF4-FFF2-40B4-BE49-F238E27FC236}">
+                <a16:creationId xmlns:a16="http://schemas.microsoft.com/office/drawing/2014/main" id="{C7C636D4-D2CF-43B5-B824-0241E85EF367}"/>
+              </a:ext>
+            </a:extLst>
+          </p:cNvPr>
+          <p:cNvSpPr>
+            <a:spLocks noGrp="1"/>
+          </p:cNvSpPr>
+          <p:nvPr>
+            <p:ph type="title"/>
+          </p:nvPr>
+        </p:nvSpPr>
+        <p:spPr/>
+        <p:txBody>
+          <a:bodyPr/>
+          <a:lstStyle/>
+          <a:p>
+            <a:r>
+              <a:rPr lang="en-US" dirty="0"/>
+              <a:t>Bootstrapping the App Component</a:t>
+            </a:r>
+          </a:p>
+        </p:txBody>
+      </p:sp>
+      <p:pic>
+        <p:nvPicPr>
+          <p:cNvPr id="4" name="Picture 3">
+            <a:extLst>
+              <a:ext uri="{FF2B5EF4-FFF2-40B4-BE49-F238E27FC236}">
+                <a16:creationId xmlns:a16="http://schemas.microsoft.com/office/drawing/2014/main" id="{8D89571B-0BB3-4607-819A-50EADA449E2B}"/>
+              </a:ext>
+            </a:extLst>
+          </p:cNvPr>
+          <p:cNvPicPr>
+            <a:picLocks noChangeAspect="1"/>
+          </p:cNvPicPr>
+          <p:nvPr/>
+        </p:nvPicPr>
+        <p:blipFill>
+          <a:blip r:embed="rId2"/>
+          <a:stretch>
+            <a:fillRect/>
+          </a:stretch>
+        </p:blipFill>
+        <p:spPr>
+          <a:xfrm>
+            <a:off x="588263" y="1052416"/>
+            <a:ext cx="7956743" cy="4231676"/>
+          </a:xfrm>
+          <a:prstGeom prst="rect">
+            <a:avLst/>
+          </a:prstGeom>
+          <a:ln>
+            <a:solidFill>
+              <a:schemeClr val="tx1">
+                <a:lumMod val="50000"/>
+                <a:lumOff val="50000"/>
+              </a:schemeClr>
+            </a:solidFill>
+          </a:ln>
+        </p:spPr>
+      </p:pic>
+    </p:spTree>
+    <p:extLst>
+      <p:ext uri="{BB962C8B-B14F-4D97-AF65-F5344CB8AC3E}">
+        <p14:creationId xmlns:p14="http://schemas.microsoft.com/office/powerpoint/2010/main" val="2700606361"/>
+      </p:ext>
+    </p:extLst>
+  </p:cSld>
+  <p:clrMapOvr>
+    <a:masterClrMapping/>
+  </p:clrMapOvr>
+</p:sld>
+</file>
+
+<file path=ppt/slides/slide19.xml><?xml version="1.0" encoding="utf-8"?>
+<p:sld xmlns:a="http://schemas.openxmlformats.org/drawingml/2006/main" xmlns:r="http://schemas.openxmlformats.org/officeDocument/2006/relationships" xmlns:p="http://schemas.openxmlformats.org/presentationml/2006/main">
+  <p:cSld>
+    <p:spTree>
+      <p:nvGrpSpPr>
+        <p:cNvPr id="1" name=""/>
+        <p:cNvGrpSpPr/>
+        <p:nvPr/>
+      </p:nvGrpSpPr>
+      <p:grpSpPr>
+        <a:xfrm>
+          <a:off x="0" y="0"/>
+          <a:ext cx="0" cy="0"/>
+          <a:chOff x="0" y="0"/>
+          <a:chExt cx="0" cy="0"/>
+        </a:xfrm>
+      </p:grpSpPr>
+      <p:sp>
+        <p:nvSpPr>
+          <p:cNvPr id="2" name="Title 1">
+            <a:extLst>
+              <a:ext uri="{FF2B5EF4-FFF2-40B4-BE49-F238E27FC236}">
+                <a16:creationId xmlns:a16="http://schemas.microsoft.com/office/drawing/2014/main" id="{3ABE6438-B581-4EFA-8399-FE8B230F5E2D}"/>
+              </a:ext>
+            </a:extLst>
+          </p:cNvPr>
+          <p:cNvSpPr>
+            <a:spLocks noGrp="1"/>
+          </p:cNvSpPr>
+          <p:nvPr>
+            <p:ph type="title"/>
+          </p:nvPr>
+        </p:nvSpPr>
+        <p:spPr/>
+        <p:txBody>
+          <a:bodyPr/>
+          <a:lstStyle/>
+          <a:p>
+            <a:r>
+              <a:rPr lang="en-US" dirty="0"/>
+              <a:t>React Component Hierarchies</a:t>
+            </a:r>
+          </a:p>
+        </p:txBody>
+      </p:sp>
+      <p:pic>
+        <p:nvPicPr>
+          <p:cNvPr id="3" name="Picture 2">
+            <a:extLst>
+              <a:ext uri="{FF2B5EF4-FFF2-40B4-BE49-F238E27FC236}">
+                <a16:creationId xmlns:a16="http://schemas.microsoft.com/office/drawing/2014/main" id="{533A7C2D-7E07-4E01-A905-90FED20A819D}"/>
+              </a:ext>
+            </a:extLst>
+          </p:cNvPr>
+          <p:cNvPicPr>
+            <a:picLocks noChangeAspect="1"/>
+          </p:cNvPicPr>
+          <p:nvPr/>
+        </p:nvPicPr>
+        <p:blipFill>
+          <a:blip r:embed="rId2"/>
+          <a:stretch>
+            <a:fillRect/>
+          </a:stretch>
+        </p:blipFill>
+        <p:spPr>
+          <a:xfrm>
+            <a:off x="695647" y="1267417"/>
+            <a:ext cx="7623410" cy="4166032"/>
+          </a:xfrm>
+          <a:prstGeom prst="rect">
+            <a:avLst/>
+          </a:prstGeom>
+          <a:ln>
+            <a:solidFill>
+              <a:schemeClr val="tx1">
+                <a:lumMod val="50000"/>
+                <a:lumOff val="50000"/>
+              </a:schemeClr>
+            </a:solidFill>
+          </a:ln>
+        </p:spPr>
+      </p:pic>
+      <p:sp>
+        <p:nvSpPr>
+          <p:cNvPr id="4" name="Rectangle 3">
+            <a:extLst>
+              <a:ext uri="{FF2B5EF4-FFF2-40B4-BE49-F238E27FC236}">
+                <a16:creationId xmlns:a16="http://schemas.microsoft.com/office/drawing/2014/main" id="{A7A88F4F-A313-4559-9871-08C28C8D9288}"/>
+              </a:ext>
+            </a:extLst>
+          </p:cNvPr>
+          <p:cNvSpPr/>
+          <p:nvPr/>
+        </p:nvSpPr>
+        <p:spPr>
+          <a:xfrm>
+            <a:off x="6529105" y="4352149"/>
+            <a:ext cx="4196715" cy="2486942"/>
+          </a:xfrm>
+          <a:prstGeom prst="rect">
+            <a:avLst/>
+          </a:prstGeom>
+          <a:ln>
+            <a:solidFill>
+              <a:schemeClr val="tx1"/>
+            </a:solidFill>
+          </a:ln>
+        </p:spPr>
+        <p:style>
+          <a:lnRef idx="2">
+            <a:schemeClr val="accent1">
+              <a:shade val="50000"/>
+            </a:schemeClr>
+          </a:lnRef>
+          <a:fillRef idx="1">
+            <a:schemeClr val="accent1"/>
+          </a:fillRef>
+          <a:effectRef idx="0">
+            <a:schemeClr val="accent1"/>
+          </a:effectRef>
+          <a:fontRef idx="minor">
+            <a:schemeClr val="lt1"/>
+          </a:fontRef>
+        </p:style>
+        <p:txBody>
+          <a:bodyPr rtlCol="0" anchor="t"/>
+          <a:lstStyle/>
+          <a:p>
+            <a:r>
+              <a:rPr lang="en-US" sz="2040" dirty="0"/>
+              <a:t>App</a:t>
+            </a:r>
+          </a:p>
+        </p:txBody>
+      </p:sp>
+      <p:sp>
+        <p:nvSpPr>
+          <p:cNvPr id="5" name="Rectangle 4">
+            <a:extLst>
+              <a:ext uri="{FF2B5EF4-FFF2-40B4-BE49-F238E27FC236}">
+                <a16:creationId xmlns:a16="http://schemas.microsoft.com/office/drawing/2014/main" id="{1F714D18-AE93-47E0-9393-F5206FAF5C58}"/>
+              </a:ext>
+            </a:extLst>
+          </p:cNvPr>
+          <p:cNvSpPr/>
+          <p:nvPr/>
+        </p:nvSpPr>
+        <p:spPr>
+          <a:xfrm>
+            <a:off x="6697842" y="4781087"/>
+            <a:ext cx="3847546" cy="736816"/>
+          </a:xfrm>
+          <a:prstGeom prst="rect">
+            <a:avLst/>
+          </a:prstGeom>
+          <a:solidFill>
+            <a:schemeClr val="accent3">
+              <a:lumMod val="50000"/>
+            </a:schemeClr>
+          </a:solidFill>
+          <a:ln>
+            <a:solidFill>
+              <a:schemeClr val="tx1"/>
+            </a:solidFill>
+          </a:ln>
+        </p:spPr>
+        <p:style>
+          <a:lnRef idx="2">
+            <a:schemeClr val="accent1">
+              <a:shade val="50000"/>
+            </a:schemeClr>
+          </a:lnRef>
+          <a:fillRef idx="1">
+            <a:schemeClr val="accent1"/>
+          </a:fillRef>
+          <a:effectRef idx="0">
+            <a:schemeClr val="accent1"/>
+          </a:effectRef>
+          <a:fontRef idx="minor">
+            <a:schemeClr val="lt1"/>
+          </a:fontRef>
+        </p:style>
+        <p:txBody>
+          <a:bodyPr rtlCol="0" anchor="ctr"/>
+          <a:lstStyle/>
+          <a:p>
+            <a:r>
+              <a:rPr lang="en-US" sz="2040" dirty="0"/>
+              <a:t>Banner</a:t>
+            </a:r>
+          </a:p>
+        </p:txBody>
+      </p:sp>
+      <p:sp>
+        <p:nvSpPr>
+          <p:cNvPr id="6" name="Rectangle 5">
+            <a:extLst>
+              <a:ext uri="{FF2B5EF4-FFF2-40B4-BE49-F238E27FC236}">
+                <a16:creationId xmlns:a16="http://schemas.microsoft.com/office/drawing/2014/main" id="{C6CB6002-C761-496E-B8D3-54A387DDEB3B}"/>
+              </a:ext>
+            </a:extLst>
+          </p:cNvPr>
+          <p:cNvSpPr/>
+          <p:nvPr/>
+        </p:nvSpPr>
+        <p:spPr>
+          <a:xfrm>
+            <a:off x="7929123" y="4896780"/>
+            <a:ext cx="2435833" cy="536669"/>
+          </a:xfrm>
+          <a:prstGeom prst="rect">
+            <a:avLst/>
+          </a:prstGeom>
+          <a:solidFill>
+            <a:schemeClr val="accent5">
+              <a:lumMod val="50000"/>
+            </a:schemeClr>
+          </a:solidFill>
+          <a:ln>
+            <a:solidFill>
+              <a:schemeClr val="tx1"/>
+            </a:solidFill>
+          </a:ln>
+        </p:spPr>
+        <p:style>
+          <a:lnRef idx="2">
+            <a:schemeClr val="accent1">
+              <a:shade val="50000"/>
+            </a:schemeClr>
+          </a:lnRef>
+          <a:fillRef idx="1">
+            <a:schemeClr val="accent1"/>
+          </a:fillRef>
+          <a:effectRef idx="0">
+            <a:schemeClr val="accent1"/>
+          </a:effectRef>
+          <a:fontRef idx="minor">
+            <a:schemeClr val="lt1"/>
+          </a:fontRef>
+        </p:style>
+        <p:txBody>
+          <a:bodyPr rtlCol="0" anchor="ctr"/>
+          <a:lstStyle/>
+          <a:p>
+            <a:pPr algn="ctr"/>
+            <a:r>
+              <a:rPr lang="en-US" sz="2040" dirty="0" err="1"/>
+              <a:t>Topnav</a:t>
+            </a:r>
+            <a:endParaRPr lang="en-US" sz="2040" dirty="0"/>
+          </a:p>
+        </p:txBody>
+      </p:sp>
+      <p:sp>
+        <p:nvSpPr>
+          <p:cNvPr id="7" name="Rectangle 6">
+            <a:extLst>
+              <a:ext uri="{FF2B5EF4-FFF2-40B4-BE49-F238E27FC236}">
+                <a16:creationId xmlns:a16="http://schemas.microsoft.com/office/drawing/2014/main" id="{8DD771E2-E398-4327-8DC9-486C22F3F981}"/>
+              </a:ext>
+            </a:extLst>
+          </p:cNvPr>
+          <p:cNvSpPr/>
+          <p:nvPr/>
+        </p:nvSpPr>
+        <p:spPr>
+          <a:xfrm>
+            <a:off x="6726626" y="5588883"/>
+            <a:ext cx="3847546" cy="1156036"/>
+          </a:xfrm>
+          <a:prstGeom prst="rect">
+            <a:avLst/>
+          </a:prstGeom>
+          <a:solidFill>
+            <a:srgbClr val="7030A0"/>
+          </a:solidFill>
+          <a:ln>
+            <a:solidFill>
+              <a:schemeClr val="tx1"/>
+            </a:solidFill>
+          </a:ln>
+        </p:spPr>
+        <p:style>
+          <a:lnRef idx="2">
+            <a:schemeClr val="accent1">
+              <a:shade val="50000"/>
+            </a:schemeClr>
+          </a:lnRef>
+          <a:fillRef idx="1">
+            <a:schemeClr val="accent1"/>
+          </a:fillRef>
+          <a:effectRef idx="0">
+            <a:schemeClr val="accent1"/>
+          </a:effectRef>
+          <a:fontRef idx="minor">
+            <a:schemeClr val="lt1"/>
+          </a:fontRef>
+        </p:style>
+        <p:txBody>
+          <a:bodyPr rtlCol="0" anchor="t"/>
+          <a:lstStyle/>
+          <a:p>
+            <a:r>
+              <a:rPr lang="en-US" sz="2040" dirty="0" err="1"/>
+              <a:t>MainView</a:t>
+            </a:r>
+            <a:endParaRPr lang="en-US" sz="2040" dirty="0"/>
+          </a:p>
+        </p:txBody>
+      </p:sp>
+    </p:spTree>
+    <p:extLst>
+      <p:ext uri="{BB962C8B-B14F-4D97-AF65-F5344CB8AC3E}">
+        <p14:creationId xmlns:p14="http://schemas.microsoft.com/office/powerpoint/2010/main" val="3454056369"/>
+      </p:ext>
+    </p:extLst>
+  </p:cSld>
+  <p:clrMapOvr>
+    <a:masterClrMapping/>
+  </p:clrMapOvr>
+  <p:transition>
+    <p:fade/>
+  </p:transition>
+</p:sld>
+</file>
+
+<file path=ppt/slides/slide2.xml><?xml version="1.0" encoding="utf-8"?>
+<p:sld xmlns:a="http://schemas.openxmlformats.org/drawingml/2006/main" xmlns:r="http://schemas.openxmlformats.org/officeDocument/2006/relationships" xmlns:p="http://schemas.openxmlformats.org/presentationml/2006/main">
+  <p:cSld>
+    <p:bg>
+      <p:bgPr>
+        <a:solidFill>
+          <a:srgbClr val="F2C80F"/>
+        </a:solidFill>
+        <a:effectLst/>
+      </p:bgPr>
+    </p:bg>
+    <p:spTree>
+      <p:nvGrpSpPr>
+        <p:cNvPr id="1" name=""/>
+        <p:cNvGrpSpPr/>
+        <p:nvPr/>
+      </p:nvGrpSpPr>
+      <p:grpSpPr>
+        <a:xfrm>
+          <a:off x="0" y="0"/>
+          <a:ext cx="0" cy="0"/>
+          <a:chOff x="0" y="0"/>
+          <a:chExt cx="0" cy="0"/>
+        </a:xfrm>
+      </p:grpSpPr>
+      <p:sp>
+        <p:nvSpPr>
+          <p:cNvPr id="9" name="Text Placeholder 8">
+            <a:extLst>
+              <a:ext uri="{FF2B5EF4-FFF2-40B4-BE49-F238E27FC236}">
+                <a16:creationId xmlns:a16="http://schemas.microsoft.com/office/drawing/2014/main" id="{ED37EFFF-D41E-43BC-806B-0841F366608D}"/>
+              </a:ext>
+            </a:extLst>
+          </p:cNvPr>
+          <p:cNvSpPr>
+            <a:spLocks noGrp="1"/>
+          </p:cNvSpPr>
+          <p:nvPr>
+            <p:ph type="body" sz="quarter" idx="16"/>
+          </p:nvPr>
+        </p:nvSpPr>
+        <p:spPr>
+          <a:xfrm>
+            <a:off x="474162" y="4944165"/>
+            <a:ext cx="9801726" cy="984885"/>
+          </a:xfrm>
+        </p:spPr>
+        <p:txBody>
+          <a:bodyPr/>
+          <a:lstStyle/>
+          <a:p>
+            <a:pPr lvl="1"/>
+            <a:r>
+              <a:rPr lang="en-US" sz="2800" dirty="0">
+                <a:solidFill>
+                  <a:srgbClr val="000000"/>
+                </a:solidFill>
+              </a:rPr>
+              <a:t>Ted Pattison</a:t>
+            </a:r>
+          </a:p>
+          <a:p>
+            <a:pPr lvl="1"/>
+            <a:r>
+              <a:rPr lang="en-US" dirty="0">
+                <a:solidFill>
+                  <a:srgbClr val="000000"/>
+                </a:solidFill>
+              </a:rPr>
+              <a:t>Principal Program Manager</a:t>
+            </a:r>
+          </a:p>
+          <a:p>
+            <a:pPr lvl="1"/>
+            <a:r>
+              <a:rPr lang="en-US" dirty="0">
+                <a:solidFill>
+                  <a:srgbClr val="000000"/>
+                </a:solidFill>
+              </a:rPr>
+              <a:t>Customer Advisory Team (CAT) at Microsoft</a:t>
+            </a:r>
+          </a:p>
+        </p:txBody>
+      </p:sp>
+      <p:sp>
+        <p:nvSpPr>
+          <p:cNvPr id="13" name="Title 6"/>
+          <p:cNvSpPr>
+            <a:spLocks noGrp="1"/>
+          </p:cNvSpPr>
+          <p:nvPr>
+            <p:ph type="title"/>
+          </p:nvPr>
+        </p:nvSpPr>
+        <p:spPr>
+          <a:xfrm>
+            <a:off x="474162" y="2312465"/>
+            <a:ext cx="11053773" cy="1415772"/>
+          </a:xfrm>
+        </p:spPr>
+        <p:txBody>
+          <a:bodyPr/>
+          <a:lstStyle/>
+          <a:p>
+            <a:pPr>
+              <a:lnSpc>
+                <a:spcPct val="100000"/>
+              </a:lnSpc>
+            </a:pPr>
+            <a:r>
+              <a:rPr lang="en-US" sz="3600" dirty="0">
+                <a:solidFill>
+                  <a:srgbClr val="000000"/>
+                </a:solidFill>
+              </a:rPr>
+              <a:t>Power BI Dev Camp – Session 5</a:t>
+            </a:r>
+            <a:br>
+              <a:rPr lang="en-US" dirty="0">
+                <a:solidFill>
+                  <a:srgbClr val="000000"/>
+                </a:solidFill>
+              </a:rPr>
+            </a:br>
+            <a:r>
+              <a:rPr lang="en-US" sz="4400" dirty="0">
+                <a:solidFill>
+                  <a:srgbClr val="000000"/>
+                </a:solidFill>
+              </a:rPr>
+              <a:t>Embedding Power BI Reports using React.js</a:t>
+            </a:r>
+            <a:endParaRPr lang="en-US" sz="4600" dirty="0">
+              <a:solidFill>
+                <a:srgbClr val="000000"/>
+              </a:solidFill>
+            </a:endParaRPr>
+          </a:p>
+        </p:txBody>
+      </p:sp>
+      <p:sp>
+        <p:nvSpPr>
+          <p:cNvPr id="6" name="Rectangle 5">
+            <a:extLst>
+              <a:ext uri="{FF2B5EF4-FFF2-40B4-BE49-F238E27FC236}">
+                <a16:creationId xmlns:a16="http://schemas.microsoft.com/office/drawing/2014/main" id="{B5B1245A-3828-4133-831E-FCED6200FEA4}"/>
+              </a:ext>
+            </a:extLst>
+          </p:cNvPr>
+          <p:cNvSpPr/>
+          <p:nvPr/>
+        </p:nvSpPr>
+        <p:spPr bwMode="auto">
+          <a:xfrm>
+            <a:off x="169682" y="6268825"/>
+            <a:ext cx="2215299" cy="650449"/>
+          </a:xfrm>
+          <a:prstGeom prst="rect">
+            <a:avLst/>
+          </a:prstGeom>
+          <a:solidFill>
+            <a:srgbClr val="F2C80F"/>
+          </a:solidFill>
+          <a:ln>
+            <a:noFill/>
+            <a:headEnd type="none" w="med" len="med"/>
+            <a:tailEnd type="none" w="med" len="med"/>
+          </a:ln>
+          <a:effectLst/>
+        </p:spPr>
+        <p:style>
+          <a:lnRef idx="1">
+            <a:schemeClr val="accent2"/>
+          </a:lnRef>
+          <a:fillRef idx="3">
+            <a:schemeClr val="accent2"/>
+          </a:fillRef>
+          <a:effectRef idx="2">
+            <a:schemeClr val="accent2"/>
+          </a:effectRef>
+          <a:fontRef idx="minor">
+            <a:schemeClr val="lt1"/>
+          </a:fontRef>
+        </p:style>
+        <p:txBody>
+          <a:bodyPr rot="0" spcFirstLastPara="0" vertOverflow="overflow" horzOverflow="overflow" vert="horz" wrap="square" lIns="182880" tIns="146304" rIns="182880" bIns="146304" numCol="1" spcCol="0" rtlCol="0" fromWordArt="0" anchor="t" anchorCtr="0" forceAA="0" compatLnSpc="1">
+            <a:prstTxWarp prst="textNoShape">
+              <a:avLst/>
+            </a:prstTxWarp>
+            <a:noAutofit/>
+          </a:bodyPr>
+          <a:lstStyle/>
+          <a:p>
+            <a:pPr algn="ctr" defTabSz="932472" fontAlgn="base">
+              <a:lnSpc>
+                <a:spcPct val="90000"/>
+              </a:lnSpc>
+              <a:spcBef>
+                <a:spcPct val="0"/>
+              </a:spcBef>
+              <a:spcAft>
+                <a:spcPct val="0"/>
+              </a:spcAft>
+            </a:pPr>
+            <a:endParaRPr lang="en-US" sz="2400" err="1">
+              <a:gradFill>
+                <a:gsLst>
+                  <a:gs pos="0">
+                    <a:srgbClr val="FFFFFF"/>
+                  </a:gs>
+                  <a:gs pos="100000">
+                    <a:srgbClr val="FFFFFF"/>
+                  </a:gs>
+                </a:gsLst>
+                <a:lin ang="5400000" scaled="0"/>
+              </a:gradFill>
+              <a:ea typeface="Segoe UI" pitchFamily="34" charset="0"/>
+              <a:cs typeface="Segoe UI" pitchFamily="34" charset="0"/>
+            </a:endParaRPr>
+          </a:p>
+        </p:txBody>
+      </p:sp>
+    </p:spTree>
+    <p:extLst>
+      <p:ext uri="{BB962C8B-B14F-4D97-AF65-F5344CB8AC3E}">
+        <p14:creationId xmlns:p14="http://schemas.microsoft.com/office/powerpoint/2010/main" val="3080107397"/>
+      </p:ext>
+    </p:extLst>
+  </p:cSld>
+  <p:clrMapOvr>
+    <a:overrideClrMapping bg1="lt1" tx1="dk1" bg2="lt2" tx2="dk2" accent1="accent1" accent2="accent2" accent3="accent3" accent4="accent4" accent5="accent5" accent6="accent6" hlink="hlink" folHlink="folHlink"/>
+  </p:clrMapOvr>
+  <mc:AlternateContent xmlns:mc="http://schemas.openxmlformats.org/markup-compatibility/2006" xmlns:p14="http://schemas.microsoft.com/office/powerpoint/2010/main">
+    <mc:Choice Requires="p14">
+      <p:transition spd="med" p14:dur="700">
+        <p:fade/>
+      </p:transition>
+    </mc:Choice>
+    <mc:Fallback xmlns="">
+      <p:transition spd="med">
+        <p:fade/>
+      </p:transition>
+    </mc:Fallback>
+  </mc:AlternateContent>
+</p:sld>
+</file>
+
+<file path=ppt/slides/slide20.xml><?xml version="1.0" encoding="utf-8"?>
+<p:sld xmlns:a="http://schemas.openxmlformats.org/drawingml/2006/main" xmlns:r="http://schemas.openxmlformats.org/officeDocument/2006/relationships" xmlns:p="http://schemas.openxmlformats.org/presentationml/2006/main">
+  <p:cSld>
+    <p:spTree>
+      <p:nvGrpSpPr>
+        <p:cNvPr id="1" name=""/>
+        <p:cNvGrpSpPr/>
+        <p:nvPr/>
+      </p:nvGrpSpPr>
+      <p:grpSpPr>
+        <a:xfrm>
+          <a:off x="0" y="0"/>
+          <a:ext cx="0" cy="0"/>
+          <a:chOff x="0" y="0"/>
+          <a:chExt cx="0" cy="0"/>
+        </a:xfrm>
+      </p:grpSpPr>
+      <p:sp>
+        <p:nvSpPr>
           <p:cNvPr id="2" name="Title 1"/>
           <p:cNvSpPr>
             <a:spLocks noGrp="1"/>
@@ -5269,7 +6230,7 @@
 </p:sld>
 </file>
 
-<file path=ppt/slides/slide16.xml><?xml version="1.0" encoding="utf-8"?>
+<file path=ppt/slides/slide21.xml><?xml version="1.0" encoding="utf-8"?>
 <p:sld xmlns:a="http://schemas.openxmlformats.org/drawingml/2006/main" xmlns:r="http://schemas.openxmlformats.org/officeDocument/2006/relationships" xmlns:p="http://schemas.openxmlformats.org/presentationml/2006/main">
   <p:cSld>
     <p:spTree>
@@ -5614,7 +6575,7 @@
 </p:sld>
 </file>
 
-<file path=ppt/slides/slide17.xml><?xml version="1.0" encoding="utf-8"?>
+<file path=ppt/slides/slide22.xml><?xml version="1.0" encoding="utf-8"?>
 <p:sld xmlns:a="http://schemas.openxmlformats.org/drawingml/2006/main" xmlns:r="http://schemas.openxmlformats.org/officeDocument/2006/relationships" xmlns:p="http://schemas.openxmlformats.org/presentationml/2006/main">
   <p:cSld>
     <p:spTree>
@@ -5744,7 +6705,7 @@
 </p:sld>
 </file>
 
-<file path=ppt/slides/slide18.xml><?xml version="1.0" encoding="utf-8"?>
+<file path=ppt/slides/slide23.xml><?xml version="1.0" encoding="utf-8"?>
 <p:sld xmlns:a="http://schemas.openxmlformats.org/drawingml/2006/main" xmlns:r="http://schemas.openxmlformats.org/officeDocument/2006/relationships" xmlns:p="http://schemas.openxmlformats.org/presentationml/2006/main">
   <p:cSld>
     <p:spTree>
@@ -5815,967 +6776,6 @@
     <p:extLst>
       <p:ext uri="{BB962C8B-B14F-4D97-AF65-F5344CB8AC3E}">
         <p14:creationId xmlns:p14="http://schemas.microsoft.com/office/powerpoint/2010/main" val="1002696702"/>
-      </p:ext>
-    </p:extLst>
-  </p:cSld>
-  <p:clrMapOvr>
-    <a:masterClrMapping/>
-  </p:clrMapOvr>
-  <p:transition>
-    <p:fade/>
-  </p:transition>
-</p:sld>
-</file>
-
-<file path=ppt/slides/slide19.xml><?xml version="1.0" encoding="utf-8"?>
-<p:sld xmlns:a="http://schemas.openxmlformats.org/drawingml/2006/main" xmlns:r="http://schemas.openxmlformats.org/officeDocument/2006/relationships" xmlns:p="http://schemas.openxmlformats.org/presentationml/2006/main">
-  <p:cSld>
-    <p:spTree>
-      <p:nvGrpSpPr>
-        <p:cNvPr id="1" name=""/>
-        <p:cNvGrpSpPr/>
-        <p:nvPr/>
-      </p:nvGrpSpPr>
-      <p:grpSpPr>
-        <a:xfrm>
-          <a:off x="0" y="0"/>
-          <a:ext cx="0" cy="0"/>
-          <a:chOff x="0" y="0"/>
-          <a:chExt cx="0" cy="0"/>
-        </a:xfrm>
-      </p:grpSpPr>
-      <p:sp>
-        <p:nvSpPr>
-          <p:cNvPr id="2" name="Title 1">
-            <a:extLst>
-              <a:ext uri="{FF2B5EF4-FFF2-40B4-BE49-F238E27FC236}">
-                <a16:creationId xmlns:a16="http://schemas.microsoft.com/office/drawing/2014/main" id="{6800E905-9DC9-4F0C-8D9F-45B80F15B9D3}"/>
-              </a:ext>
-            </a:extLst>
-          </p:cNvPr>
-          <p:cNvSpPr>
-            <a:spLocks noGrp="1"/>
-          </p:cNvSpPr>
-          <p:nvPr>
-            <p:ph type="title"/>
-          </p:nvPr>
-        </p:nvSpPr>
-        <p:spPr/>
-        <p:txBody>
-          <a:bodyPr/>
-          <a:lstStyle/>
-          <a:p>
-            <a:r>
-              <a:rPr lang="en-US" dirty="0"/>
-              <a:t>Starter Project - </a:t>
-            </a:r>
-            <a:r>
-              <a:rPr lang="en-US" dirty="0" err="1"/>
-              <a:t>package.json</a:t>
-            </a:r>
-            <a:endParaRPr lang="en-US" dirty="0"/>
-          </a:p>
-        </p:txBody>
-      </p:sp>
-      <p:pic>
-        <p:nvPicPr>
-          <p:cNvPr id="5" name="Picture 4">
-            <a:extLst>
-              <a:ext uri="{FF2B5EF4-FFF2-40B4-BE49-F238E27FC236}">
-                <a16:creationId xmlns:a16="http://schemas.microsoft.com/office/drawing/2014/main" id="{ACAB5AEE-400C-4D07-A804-0562EE41A33E}"/>
-              </a:ext>
-            </a:extLst>
-          </p:cNvPr>
-          <p:cNvPicPr>
-            <a:picLocks noChangeAspect="1"/>
-          </p:cNvPicPr>
-          <p:nvPr/>
-        </p:nvPicPr>
-        <p:blipFill>
-          <a:blip r:embed="rId2"/>
-          <a:stretch>
-            <a:fillRect/>
-          </a:stretch>
-        </p:blipFill>
-        <p:spPr>
-          <a:xfrm>
-            <a:off x="663678" y="1217569"/>
-            <a:ext cx="8206945" cy="5479676"/>
-          </a:xfrm>
-          <a:prstGeom prst="rect">
-            <a:avLst/>
-          </a:prstGeom>
-          <a:ln>
-            <a:solidFill>
-              <a:schemeClr val="tx1"/>
-            </a:solidFill>
-          </a:ln>
-        </p:spPr>
-      </p:pic>
-    </p:spTree>
-    <p:extLst>
-      <p:ext uri="{BB962C8B-B14F-4D97-AF65-F5344CB8AC3E}">
-        <p14:creationId xmlns:p14="http://schemas.microsoft.com/office/powerpoint/2010/main" val="1688452851"/>
-      </p:ext>
-    </p:extLst>
-  </p:cSld>
-  <p:clrMapOvr>
-    <a:masterClrMapping/>
-  </p:clrMapOvr>
-  <p:transition>
-    <p:fade/>
-  </p:transition>
-</p:sld>
-</file>
-
-<file path=ppt/slides/slide2.xml><?xml version="1.0" encoding="utf-8"?>
-<p:sld xmlns:a="http://schemas.openxmlformats.org/drawingml/2006/main" xmlns:r="http://schemas.openxmlformats.org/officeDocument/2006/relationships" xmlns:p="http://schemas.openxmlformats.org/presentationml/2006/main">
-  <p:cSld>
-    <p:bg>
-      <p:bgPr>
-        <a:solidFill>
-          <a:srgbClr val="F2C80F"/>
-        </a:solidFill>
-        <a:effectLst/>
-      </p:bgPr>
-    </p:bg>
-    <p:spTree>
-      <p:nvGrpSpPr>
-        <p:cNvPr id="1" name=""/>
-        <p:cNvGrpSpPr/>
-        <p:nvPr/>
-      </p:nvGrpSpPr>
-      <p:grpSpPr>
-        <a:xfrm>
-          <a:off x="0" y="0"/>
-          <a:ext cx="0" cy="0"/>
-          <a:chOff x="0" y="0"/>
-          <a:chExt cx="0" cy="0"/>
-        </a:xfrm>
-      </p:grpSpPr>
-      <p:sp>
-        <p:nvSpPr>
-          <p:cNvPr id="9" name="Text Placeholder 8">
-            <a:extLst>
-              <a:ext uri="{FF2B5EF4-FFF2-40B4-BE49-F238E27FC236}">
-                <a16:creationId xmlns:a16="http://schemas.microsoft.com/office/drawing/2014/main" id="{ED37EFFF-D41E-43BC-806B-0841F366608D}"/>
-              </a:ext>
-            </a:extLst>
-          </p:cNvPr>
-          <p:cNvSpPr>
-            <a:spLocks noGrp="1"/>
-          </p:cNvSpPr>
-          <p:nvPr>
-            <p:ph type="body" sz="quarter" idx="16"/>
-          </p:nvPr>
-        </p:nvSpPr>
-        <p:spPr>
-          <a:xfrm>
-            <a:off x="474162" y="4944165"/>
-            <a:ext cx="9801726" cy="984885"/>
-          </a:xfrm>
-        </p:spPr>
-        <p:txBody>
-          <a:bodyPr/>
-          <a:lstStyle/>
-          <a:p>
-            <a:pPr lvl="1"/>
-            <a:r>
-              <a:rPr lang="en-US" sz="2800" dirty="0">
-                <a:solidFill>
-                  <a:srgbClr val="000000"/>
-                </a:solidFill>
-              </a:rPr>
-              <a:t>Ted Pattison</a:t>
-            </a:r>
-          </a:p>
-          <a:p>
-            <a:pPr lvl="1"/>
-            <a:r>
-              <a:rPr lang="en-US" dirty="0">
-                <a:solidFill>
-                  <a:srgbClr val="000000"/>
-                </a:solidFill>
-              </a:rPr>
-              <a:t>Principal Program Manager</a:t>
-            </a:r>
-          </a:p>
-          <a:p>
-            <a:pPr lvl="1"/>
-            <a:r>
-              <a:rPr lang="en-US" dirty="0">
-                <a:solidFill>
-                  <a:srgbClr val="000000"/>
-                </a:solidFill>
-              </a:rPr>
-              <a:t>Customer Advisory Team (CAT) at Microsoft</a:t>
-            </a:r>
-          </a:p>
-        </p:txBody>
-      </p:sp>
-      <p:sp>
-        <p:nvSpPr>
-          <p:cNvPr id="13" name="Title 6"/>
-          <p:cNvSpPr>
-            <a:spLocks noGrp="1"/>
-          </p:cNvSpPr>
-          <p:nvPr>
-            <p:ph type="title"/>
-          </p:nvPr>
-        </p:nvSpPr>
-        <p:spPr>
-          <a:xfrm>
-            <a:off x="474162" y="2312465"/>
-            <a:ext cx="11053773" cy="1415772"/>
-          </a:xfrm>
-        </p:spPr>
-        <p:txBody>
-          <a:bodyPr/>
-          <a:lstStyle/>
-          <a:p>
-            <a:pPr>
-              <a:lnSpc>
-                <a:spcPct val="100000"/>
-              </a:lnSpc>
-            </a:pPr>
-            <a:r>
-              <a:rPr lang="en-US" sz="3600" dirty="0">
-                <a:solidFill>
-                  <a:srgbClr val="000000"/>
-                </a:solidFill>
-              </a:rPr>
-              <a:t>Power BI Dev Camp – Session 5</a:t>
-            </a:r>
-            <a:br>
-              <a:rPr lang="en-US" dirty="0">
-                <a:solidFill>
-                  <a:srgbClr val="000000"/>
-                </a:solidFill>
-              </a:rPr>
-            </a:br>
-            <a:r>
-              <a:rPr lang="en-US" sz="4400" dirty="0">
-                <a:solidFill>
-                  <a:srgbClr val="000000"/>
-                </a:solidFill>
-              </a:rPr>
-              <a:t>Embedding Power BI Reports using React.js</a:t>
-            </a:r>
-            <a:endParaRPr lang="en-US" sz="4600" dirty="0">
-              <a:solidFill>
-                <a:srgbClr val="000000"/>
-              </a:solidFill>
-            </a:endParaRPr>
-          </a:p>
-        </p:txBody>
-      </p:sp>
-      <p:sp>
-        <p:nvSpPr>
-          <p:cNvPr id="6" name="Rectangle 5">
-            <a:extLst>
-              <a:ext uri="{FF2B5EF4-FFF2-40B4-BE49-F238E27FC236}">
-                <a16:creationId xmlns:a16="http://schemas.microsoft.com/office/drawing/2014/main" id="{B5B1245A-3828-4133-831E-FCED6200FEA4}"/>
-              </a:ext>
-            </a:extLst>
-          </p:cNvPr>
-          <p:cNvSpPr/>
-          <p:nvPr/>
-        </p:nvSpPr>
-        <p:spPr bwMode="auto">
-          <a:xfrm>
-            <a:off x="169682" y="6268825"/>
-            <a:ext cx="2215299" cy="650449"/>
-          </a:xfrm>
-          <a:prstGeom prst="rect">
-            <a:avLst/>
-          </a:prstGeom>
-          <a:solidFill>
-            <a:srgbClr val="F2C80F"/>
-          </a:solidFill>
-          <a:ln>
-            <a:noFill/>
-            <a:headEnd type="none" w="med" len="med"/>
-            <a:tailEnd type="none" w="med" len="med"/>
-          </a:ln>
-          <a:effectLst/>
-        </p:spPr>
-        <p:style>
-          <a:lnRef idx="1">
-            <a:schemeClr val="accent2"/>
-          </a:lnRef>
-          <a:fillRef idx="3">
-            <a:schemeClr val="accent2"/>
-          </a:fillRef>
-          <a:effectRef idx="2">
-            <a:schemeClr val="accent2"/>
-          </a:effectRef>
-          <a:fontRef idx="minor">
-            <a:schemeClr val="lt1"/>
-          </a:fontRef>
-        </p:style>
-        <p:txBody>
-          <a:bodyPr rot="0" spcFirstLastPara="0" vertOverflow="overflow" horzOverflow="overflow" vert="horz" wrap="square" lIns="182880" tIns="146304" rIns="182880" bIns="146304" numCol="1" spcCol="0" rtlCol="0" fromWordArt="0" anchor="t" anchorCtr="0" forceAA="0" compatLnSpc="1">
-            <a:prstTxWarp prst="textNoShape">
-              <a:avLst/>
-            </a:prstTxWarp>
-            <a:noAutofit/>
-          </a:bodyPr>
-          <a:lstStyle/>
-          <a:p>
-            <a:pPr algn="ctr" defTabSz="932472" fontAlgn="base">
-              <a:lnSpc>
-                <a:spcPct val="90000"/>
-              </a:lnSpc>
-              <a:spcBef>
-                <a:spcPct val="0"/>
-              </a:spcBef>
-              <a:spcAft>
-                <a:spcPct val="0"/>
-              </a:spcAft>
-            </a:pPr>
-            <a:endParaRPr lang="en-US" sz="2400" err="1">
-              <a:gradFill>
-                <a:gsLst>
-                  <a:gs pos="0">
-                    <a:srgbClr val="FFFFFF"/>
-                  </a:gs>
-                  <a:gs pos="100000">
-                    <a:srgbClr val="FFFFFF"/>
-                  </a:gs>
-                </a:gsLst>
-                <a:lin ang="5400000" scaled="0"/>
-              </a:gradFill>
-              <a:ea typeface="Segoe UI" pitchFamily="34" charset="0"/>
-              <a:cs typeface="Segoe UI" pitchFamily="34" charset="0"/>
-            </a:endParaRPr>
-          </a:p>
-        </p:txBody>
-      </p:sp>
-    </p:spTree>
-    <p:extLst>
-      <p:ext uri="{BB962C8B-B14F-4D97-AF65-F5344CB8AC3E}">
-        <p14:creationId xmlns:p14="http://schemas.microsoft.com/office/powerpoint/2010/main" val="3080107397"/>
-      </p:ext>
-    </p:extLst>
-  </p:cSld>
-  <p:clrMapOvr>
-    <a:overrideClrMapping bg1="lt1" tx1="dk1" bg2="lt2" tx2="dk2" accent1="accent1" accent2="accent2" accent3="accent3" accent4="accent4" accent5="accent5" accent6="accent6" hlink="hlink" folHlink="folHlink"/>
-  </p:clrMapOvr>
-  <mc:AlternateContent xmlns:mc="http://schemas.openxmlformats.org/markup-compatibility/2006" xmlns:p14="http://schemas.microsoft.com/office/powerpoint/2010/main">
-    <mc:Choice Requires="p14">
-      <p:transition spd="med" p14:dur="700">
-        <p:fade/>
-      </p:transition>
-    </mc:Choice>
-    <mc:Fallback xmlns="">
-      <p:transition spd="med">
-        <p:fade/>
-      </p:transition>
-    </mc:Fallback>
-  </mc:AlternateContent>
-</p:sld>
-</file>
-
-<file path=ppt/slides/slide20.xml><?xml version="1.0" encoding="utf-8"?>
-<p:sld xmlns:a="http://schemas.openxmlformats.org/drawingml/2006/main" xmlns:r="http://schemas.openxmlformats.org/officeDocument/2006/relationships" xmlns:p="http://schemas.openxmlformats.org/presentationml/2006/main">
-  <p:cSld>
-    <p:spTree>
-      <p:nvGrpSpPr>
-        <p:cNvPr id="1" name=""/>
-        <p:cNvGrpSpPr/>
-        <p:nvPr/>
-      </p:nvGrpSpPr>
-      <p:grpSpPr>
-        <a:xfrm>
-          <a:off x="0" y="0"/>
-          <a:ext cx="0" cy="0"/>
-          <a:chOff x="0" y="0"/>
-          <a:chExt cx="0" cy="0"/>
-        </a:xfrm>
-      </p:grpSpPr>
-      <p:sp>
-        <p:nvSpPr>
-          <p:cNvPr id="2" name="Title 1">
-            <a:extLst>
-              <a:ext uri="{FF2B5EF4-FFF2-40B4-BE49-F238E27FC236}">
-                <a16:creationId xmlns:a16="http://schemas.microsoft.com/office/drawing/2014/main" id="{0AB220B1-D38E-4C30-AB77-8C0B9B458632}"/>
-              </a:ext>
-            </a:extLst>
-          </p:cNvPr>
-          <p:cNvSpPr>
-            <a:spLocks noGrp="1"/>
-          </p:cNvSpPr>
-          <p:nvPr>
-            <p:ph type="title"/>
-          </p:nvPr>
-        </p:nvSpPr>
-        <p:spPr/>
-        <p:txBody>
-          <a:bodyPr/>
-          <a:lstStyle/>
-          <a:p>
-            <a:r>
-              <a:rPr lang="en-US" dirty="0"/>
-              <a:t>Starter Project - webpack.config.js</a:t>
-            </a:r>
-          </a:p>
-        </p:txBody>
-      </p:sp>
-      <p:pic>
-        <p:nvPicPr>
-          <p:cNvPr id="7" name="Picture 6">
-            <a:extLst>
-              <a:ext uri="{FF2B5EF4-FFF2-40B4-BE49-F238E27FC236}">
-                <a16:creationId xmlns:a16="http://schemas.microsoft.com/office/drawing/2014/main" id="{D1F704FB-BD7A-49E5-BD03-0F661D1E98E5}"/>
-              </a:ext>
-            </a:extLst>
-          </p:cNvPr>
-          <p:cNvPicPr>
-            <a:picLocks noChangeAspect="1"/>
-          </p:cNvPicPr>
-          <p:nvPr/>
-        </p:nvPicPr>
-        <p:blipFill>
-          <a:blip r:embed="rId2"/>
-          <a:stretch>
-            <a:fillRect/>
-          </a:stretch>
-        </p:blipFill>
-        <p:spPr>
-          <a:xfrm>
-            <a:off x="667082" y="931954"/>
-            <a:ext cx="8676617" cy="5909075"/>
-          </a:xfrm>
-          <a:prstGeom prst="rect">
-            <a:avLst/>
-          </a:prstGeom>
-          <a:ln>
-            <a:solidFill>
-              <a:schemeClr val="tx1"/>
-            </a:solidFill>
-          </a:ln>
-        </p:spPr>
-      </p:pic>
-    </p:spTree>
-    <p:extLst>
-      <p:ext uri="{BB962C8B-B14F-4D97-AF65-F5344CB8AC3E}">
-        <p14:creationId xmlns:p14="http://schemas.microsoft.com/office/powerpoint/2010/main" val="2187960592"/>
-      </p:ext>
-    </p:extLst>
-  </p:cSld>
-  <p:clrMapOvr>
-    <a:masterClrMapping/>
-  </p:clrMapOvr>
-</p:sld>
-</file>
-
-<file path=ppt/slides/slide21.xml><?xml version="1.0" encoding="utf-8"?>
-<p:sld xmlns:a="http://schemas.openxmlformats.org/drawingml/2006/main" xmlns:r="http://schemas.openxmlformats.org/officeDocument/2006/relationships" xmlns:p="http://schemas.openxmlformats.org/presentationml/2006/main">
-  <p:cSld>
-    <p:spTree>
-      <p:nvGrpSpPr>
-        <p:cNvPr id="1" name=""/>
-        <p:cNvGrpSpPr/>
-        <p:nvPr/>
-      </p:nvGrpSpPr>
-      <p:grpSpPr>
-        <a:xfrm>
-          <a:off x="0" y="0"/>
-          <a:ext cx="0" cy="0"/>
-          <a:chOff x="0" y="0"/>
-          <a:chExt cx="0" cy="0"/>
-        </a:xfrm>
-      </p:grpSpPr>
-      <p:sp>
-        <p:nvSpPr>
-          <p:cNvPr id="2" name="Title 1">
-            <a:extLst>
-              <a:ext uri="{FF2B5EF4-FFF2-40B4-BE49-F238E27FC236}">
-                <a16:creationId xmlns:a16="http://schemas.microsoft.com/office/drawing/2014/main" id="{011F3F2D-3102-4DD0-9174-2B03C93EDBB9}"/>
-              </a:ext>
-            </a:extLst>
-          </p:cNvPr>
-          <p:cNvSpPr>
-            <a:spLocks noGrp="1"/>
-          </p:cNvSpPr>
-          <p:nvPr>
-            <p:ph type="title"/>
-          </p:nvPr>
-        </p:nvSpPr>
-        <p:spPr/>
-        <p:txBody>
-          <a:bodyPr/>
-          <a:lstStyle/>
-          <a:p>
-            <a:r>
-              <a:rPr lang="en-US" dirty="0"/>
-              <a:t>The Top-level App Component</a:t>
-            </a:r>
-          </a:p>
-        </p:txBody>
-      </p:sp>
-      <p:pic>
-        <p:nvPicPr>
-          <p:cNvPr id="3" name="Picture 2">
-            <a:extLst>
-              <a:ext uri="{FF2B5EF4-FFF2-40B4-BE49-F238E27FC236}">
-                <a16:creationId xmlns:a16="http://schemas.microsoft.com/office/drawing/2014/main" id="{3CA758C7-C6BD-445B-883A-A4693616E54D}"/>
-              </a:ext>
-            </a:extLst>
-          </p:cNvPr>
-          <p:cNvPicPr>
-            <a:picLocks noChangeAspect="1"/>
-          </p:cNvPicPr>
-          <p:nvPr/>
-        </p:nvPicPr>
-        <p:blipFill>
-          <a:blip r:embed="rId2"/>
-          <a:stretch>
-            <a:fillRect/>
-          </a:stretch>
-        </p:blipFill>
-        <p:spPr>
-          <a:xfrm>
-            <a:off x="743158" y="1059540"/>
-            <a:ext cx="8637148" cy="4196715"/>
-          </a:xfrm>
-          <a:prstGeom prst="rect">
-            <a:avLst/>
-          </a:prstGeom>
-          <a:ln>
-            <a:solidFill>
-              <a:schemeClr val="tx1">
-                <a:lumMod val="50000"/>
-                <a:lumOff val="50000"/>
-              </a:schemeClr>
-            </a:solidFill>
-          </a:ln>
-        </p:spPr>
-      </p:pic>
-    </p:spTree>
-    <p:extLst>
-      <p:ext uri="{BB962C8B-B14F-4D97-AF65-F5344CB8AC3E}">
-        <p14:creationId xmlns:p14="http://schemas.microsoft.com/office/powerpoint/2010/main" val="3365722050"/>
-      </p:ext>
-    </p:extLst>
-  </p:cSld>
-  <p:clrMapOvr>
-    <a:masterClrMapping/>
-  </p:clrMapOvr>
-</p:sld>
-</file>
-
-<file path=ppt/slides/slide22.xml><?xml version="1.0" encoding="utf-8"?>
-<p:sld xmlns:a="http://schemas.openxmlformats.org/drawingml/2006/main" xmlns:r="http://schemas.openxmlformats.org/officeDocument/2006/relationships" xmlns:p="http://schemas.openxmlformats.org/presentationml/2006/main">
-  <p:cSld>
-    <p:spTree>
-      <p:nvGrpSpPr>
-        <p:cNvPr id="1" name=""/>
-        <p:cNvGrpSpPr/>
-        <p:nvPr/>
-      </p:nvGrpSpPr>
-      <p:grpSpPr>
-        <a:xfrm>
-          <a:off x="0" y="0"/>
-          <a:ext cx="0" cy="0"/>
-          <a:chOff x="0" y="0"/>
-          <a:chExt cx="0" cy="0"/>
-        </a:xfrm>
-      </p:grpSpPr>
-      <p:sp>
-        <p:nvSpPr>
-          <p:cNvPr id="2" name="Title 1">
-            <a:extLst>
-              <a:ext uri="{FF2B5EF4-FFF2-40B4-BE49-F238E27FC236}">
-                <a16:creationId xmlns:a16="http://schemas.microsoft.com/office/drawing/2014/main" id="{C7C636D4-D2CF-43B5-B824-0241E85EF367}"/>
-              </a:ext>
-            </a:extLst>
-          </p:cNvPr>
-          <p:cNvSpPr>
-            <a:spLocks noGrp="1"/>
-          </p:cNvSpPr>
-          <p:nvPr>
-            <p:ph type="title"/>
-          </p:nvPr>
-        </p:nvSpPr>
-        <p:spPr/>
-        <p:txBody>
-          <a:bodyPr/>
-          <a:lstStyle/>
-          <a:p>
-            <a:r>
-              <a:rPr lang="en-US" dirty="0"/>
-              <a:t>Bootstrapping the App Component</a:t>
-            </a:r>
-          </a:p>
-        </p:txBody>
-      </p:sp>
-      <p:pic>
-        <p:nvPicPr>
-          <p:cNvPr id="4" name="Picture 3">
-            <a:extLst>
-              <a:ext uri="{FF2B5EF4-FFF2-40B4-BE49-F238E27FC236}">
-                <a16:creationId xmlns:a16="http://schemas.microsoft.com/office/drawing/2014/main" id="{8D89571B-0BB3-4607-819A-50EADA449E2B}"/>
-              </a:ext>
-            </a:extLst>
-          </p:cNvPr>
-          <p:cNvPicPr>
-            <a:picLocks noChangeAspect="1"/>
-          </p:cNvPicPr>
-          <p:nvPr/>
-        </p:nvPicPr>
-        <p:blipFill>
-          <a:blip r:embed="rId2"/>
-          <a:stretch>
-            <a:fillRect/>
-          </a:stretch>
-        </p:blipFill>
-        <p:spPr>
-          <a:xfrm>
-            <a:off x="588263" y="1052416"/>
-            <a:ext cx="7956743" cy="4231676"/>
-          </a:xfrm>
-          <a:prstGeom prst="rect">
-            <a:avLst/>
-          </a:prstGeom>
-          <a:ln>
-            <a:solidFill>
-              <a:schemeClr val="tx1">
-                <a:lumMod val="50000"/>
-                <a:lumOff val="50000"/>
-              </a:schemeClr>
-            </a:solidFill>
-          </a:ln>
-        </p:spPr>
-      </p:pic>
-    </p:spTree>
-    <p:extLst>
-      <p:ext uri="{BB962C8B-B14F-4D97-AF65-F5344CB8AC3E}">
-        <p14:creationId xmlns:p14="http://schemas.microsoft.com/office/powerpoint/2010/main" val="2700606361"/>
-      </p:ext>
-    </p:extLst>
-  </p:cSld>
-  <p:clrMapOvr>
-    <a:masterClrMapping/>
-  </p:clrMapOvr>
-</p:sld>
-</file>
-
-<file path=ppt/slides/slide23.xml><?xml version="1.0" encoding="utf-8"?>
-<p:sld xmlns:a="http://schemas.openxmlformats.org/drawingml/2006/main" xmlns:r="http://schemas.openxmlformats.org/officeDocument/2006/relationships" xmlns:p="http://schemas.openxmlformats.org/presentationml/2006/main">
-  <p:cSld>
-    <p:spTree>
-      <p:nvGrpSpPr>
-        <p:cNvPr id="1" name=""/>
-        <p:cNvGrpSpPr/>
-        <p:nvPr/>
-      </p:nvGrpSpPr>
-      <p:grpSpPr>
-        <a:xfrm>
-          <a:off x="0" y="0"/>
-          <a:ext cx="0" cy="0"/>
-          <a:chOff x="0" y="0"/>
-          <a:chExt cx="0" cy="0"/>
-        </a:xfrm>
-      </p:grpSpPr>
-      <p:sp>
-        <p:nvSpPr>
-          <p:cNvPr id="2" name="Title 1">
-            <a:extLst>
-              <a:ext uri="{FF2B5EF4-FFF2-40B4-BE49-F238E27FC236}">
-                <a16:creationId xmlns:a16="http://schemas.microsoft.com/office/drawing/2014/main" id="{3ABE6438-B581-4EFA-8399-FE8B230F5E2D}"/>
-              </a:ext>
-            </a:extLst>
-          </p:cNvPr>
-          <p:cNvSpPr>
-            <a:spLocks noGrp="1"/>
-          </p:cNvSpPr>
-          <p:nvPr>
-            <p:ph type="title"/>
-          </p:nvPr>
-        </p:nvSpPr>
-        <p:spPr/>
-        <p:txBody>
-          <a:bodyPr/>
-          <a:lstStyle/>
-          <a:p>
-            <a:r>
-              <a:rPr lang="en-US" dirty="0"/>
-              <a:t>React Component Hierarchies</a:t>
-            </a:r>
-          </a:p>
-        </p:txBody>
-      </p:sp>
-      <p:pic>
-        <p:nvPicPr>
-          <p:cNvPr id="3" name="Picture 2">
-            <a:extLst>
-              <a:ext uri="{FF2B5EF4-FFF2-40B4-BE49-F238E27FC236}">
-                <a16:creationId xmlns:a16="http://schemas.microsoft.com/office/drawing/2014/main" id="{533A7C2D-7E07-4E01-A905-90FED20A819D}"/>
-              </a:ext>
-            </a:extLst>
-          </p:cNvPr>
-          <p:cNvPicPr>
-            <a:picLocks noChangeAspect="1"/>
-          </p:cNvPicPr>
-          <p:nvPr/>
-        </p:nvPicPr>
-        <p:blipFill>
-          <a:blip r:embed="rId2"/>
-          <a:stretch>
-            <a:fillRect/>
-          </a:stretch>
-        </p:blipFill>
-        <p:spPr>
-          <a:xfrm>
-            <a:off x="695647" y="1267417"/>
-            <a:ext cx="7623410" cy="4166032"/>
-          </a:xfrm>
-          <a:prstGeom prst="rect">
-            <a:avLst/>
-          </a:prstGeom>
-          <a:ln>
-            <a:solidFill>
-              <a:schemeClr val="tx1">
-                <a:lumMod val="50000"/>
-                <a:lumOff val="50000"/>
-              </a:schemeClr>
-            </a:solidFill>
-          </a:ln>
-        </p:spPr>
-      </p:pic>
-      <p:sp>
-        <p:nvSpPr>
-          <p:cNvPr id="4" name="Rectangle 3">
-            <a:extLst>
-              <a:ext uri="{FF2B5EF4-FFF2-40B4-BE49-F238E27FC236}">
-                <a16:creationId xmlns:a16="http://schemas.microsoft.com/office/drawing/2014/main" id="{A7A88F4F-A313-4559-9871-08C28C8D9288}"/>
-              </a:ext>
-            </a:extLst>
-          </p:cNvPr>
-          <p:cNvSpPr/>
-          <p:nvPr/>
-        </p:nvSpPr>
-        <p:spPr>
-          <a:xfrm>
-            <a:off x="6529105" y="4352149"/>
-            <a:ext cx="4196715" cy="2486942"/>
-          </a:xfrm>
-          <a:prstGeom prst="rect">
-            <a:avLst/>
-          </a:prstGeom>
-          <a:ln>
-            <a:solidFill>
-              <a:schemeClr val="tx1"/>
-            </a:solidFill>
-          </a:ln>
-        </p:spPr>
-        <p:style>
-          <a:lnRef idx="2">
-            <a:schemeClr val="accent1">
-              <a:shade val="50000"/>
-            </a:schemeClr>
-          </a:lnRef>
-          <a:fillRef idx="1">
-            <a:schemeClr val="accent1"/>
-          </a:fillRef>
-          <a:effectRef idx="0">
-            <a:schemeClr val="accent1"/>
-          </a:effectRef>
-          <a:fontRef idx="minor">
-            <a:schemeClr val="lt1"/>
-          </a:fontRef>
-        </p:style>
-        <p:txBody>
-          <a:bodyPr rtlCol="0" anchor="t"/>
-          <a:lstStyle/>
-          <a:p>
-            <a:r>
-              <a:rPr lang="en-US" sz="2040" dirty="0"/>
-              <a:t>App</a:t>
-            </a:r>
-          </a:p>
-        </p:txBody>
-      </p:sp>
-      <p:sp>
-        <p:nvSpPr>
-          <p:cNvPr id="5" name="Rectangle 4">
-            <a:extLst>
-              <a:ext uri="{FF2B5EF4-FFF2-40B4-BE49-F238E27FC236}">
-                <a16:creationId xmlns:a16="http://schemas.microsoft.com/office/drawing/2014/main" id="{1F714D18-AE93-47E0-9393-F5206FAF5C58}"/>
-              </a:ext>
-            </a:extLst>
-          </p:cNvPr>
-          <p:cNvSpPr/>
-          <p:nvPr/>
-        </p:nvSpPr>
-        <p:spPr>
-          <a:xfrm>
-            <a:off x="6697842" y="4781087"/>
-            <a:ext cx="3847546" cy="736816"/>
-          </a:xfrm>
-          <a:prstGeom prst="rect">
-            <a:avLst/>
-          </a:prstGeom>
-          <a:solidFill>
-            <a:schemeClr val="accent3">
-              <a:lumMod val="50000"/>
-            </a:schemeClr>
-          </a:solidFill>
-          <a:ln>
-            <a:solidFill>
-              <a:schemeClr val="tx1"/>
-            </a:solidFill>
-          </a:ln>
-        </p:spPr>
-        <p:style>
-          <a:lnRef idx="2">
-            <a:schemeClr val="accent1">
-              <a:shade val="50000"/>
-            </a:schemeClr>
-          </a:lnRef>
-          <a:fillRef idx="1">
-            <a:schemeClr val="accent1"/>
-          </a:fillRef>
-          <a:effectRef idx="0">
-            <a:schemeClr val="accent1"/>
-          </a:effectRef>
-          <a:fontRef idx="minor">
-            <a:schemeClr val="lt1"/>
-          </a:fontRef>
-        </p:style>
-        <p:txBody>
-          <a:bodyPr rtlCol="0" anchor="ctr"/>
-          <a:lstStyle/>
-          <a:p>
-            <a:r>
-              <a:rPr lang="en-US" sz="2040" dirty="0"/>
-              <a:t>Banner</a:t>
-            </a:r>
-          </a:p>
-        </p:txBody>
-      </p:sp>
-      <p:sp>
-        <p:nvSpPr>
-          <p:cNvPr id="6" name="Rectangle 5">
-            <a:extLst>
-              <a:ext uri="{FF2B5EF4-FFF2-40B4-BE49-F238E27FC236}">
-                <a16:creationId xmlns:a16="http://schemas.microsoft.com/office/drawing/2014/main" id="{C6CB6002-C761-496E-B8D3-54A387DDEB3B}"/>
-              </a:ext>
-            </a:extLst>
-          </p:cNvPr>
-          <p:cNvSpPr/>
-          <p:nvPr/>
-        </p:nvSpPr>
-        <p:spPr>
-          <a:xfrm>
-            <a:off x="7929123" y="4896780"/>
-            <a:ext cx="2435833" cy="536669"/>
-          </a:xfrm>
-          <a:prstGeom prst="rect">
-            <a:avLst/>
-          </a:prstGeom>
-          <a:solidFill>
-            <a:schemeClr val="accent5">
-              <a:lumMod val="50000"/>
-            </a:schemeClr>
-          </a:solidFill>
-          <a:ln>
-            <a:solidFill>
-              <a:schemeClr val="tx1"/>
-            </a:solidFill>
-          </a:ln>
-        </p:spPr>
-        <p:style>
-          <a:lnRef idx="2">
-            <a:schemeClr val="accent1">
-              <a:shade val="50000"/>
-            </a:schemeClr>
-          </a:lnRef>
-          <a:fillRef idx="1">
-            <a:schemeClr val="accent1"/>
-          </a:fillRef>
-          <a:effectRef idx="0">
-            <a:schemeClr val="accent1"/>
-          </a:effectRef>
-          <a:fontRef idx="minor">
-            <a:schemeClr val="lt1"/>
-          </a:fontRef>
-        </p:style>
-        <p:txBody>
-          <a:bodyPr rtlCol="0" anchor="ctr"/>
-          <a:lstStyle/>
-          <a:p>
-            <a:pPr algn="ctr"/>
-            <a:r>
-              <a:rPr lang="en-US" sz="2040" dirty="0" err="1"/>
-              <a:t>Topnav</a:t>
-            </a:r>
-            <a:endParaRPr lang="en-US" sz="2040" dirty="0"/>
-          </a:p>
-        </p:txBody>
-      </p:sp>
-      <p:sp>
-        <p:nvSpPr>
-          <p:cNvPr id="7" name="Rectangle 6">
-            <a:extLst>
-              <a:ext uri="{FF2B5EF4-FFF2-40B4-BE49-F238E27FC236}">
-                <a16:creationId xmlns:a16="http://schemas.microsoft.com/office/drawing/2014/main" id="{8DD771E2-E398-4327-8DC9-486C22F3F981}"/>
-              </a:ext>
-            </a:extLst>
-          </p:cNvPr>
-          <p:cNvSpPr/>
-          <p:nvPr/>
-        </p:nvSpPr>
-        <p:spPr>
-          <a:xfrm>
-            <a:off x="6726626" y="5588883"/>
-            <a:ext cx="3847546" cy="1156036"/>
-          </a:xfrm>
-          <a:prstGeom prst="rect">
-            <a:avLst/>
-          </a:prstGeom>
-          <a:solidFill>
-            <a:srgbClr val="7030A0"/>
-          </a:solidFill>
-          <a:ln>
-            <a:solidFill>
-              <a:schemeClr val="tx1"/>
-            </a:solidFill>
-          </a:ln>
-        </p:spPr>
-        <p:style>
-          <a:lnRef idx="2">
-            <a:schemeClr val="accent1">
-              <a:shade val="50000"/>
-            </a:schemeClr>
-          </a:lnRef>
-          <a:fillRef idx="1">
-            <a:schemeClr val="accent1"/>
-          </a:fillRef>
-          <a:effectRef idx="0">
-            <a:schemeClr val="accent1"/>
-          </a:effectRef>
-          <a:fontRef idx="minor">
-            <a:schemeClr val="lt1"/>
-          </a:fontRef>
-        </p:style>
-        <p:txBody>
-          <a:bodyPr rtlCol="0" anchor="t"/>
-          <a:lstStyle/>
-          <a:p>
-            <a:r>
-              <a:rPr lang="en-US" sz="2040" dirty="0" err="1"/>
-              <a:t>MainView</a:t>
-            </a:r>
-            <a:endParaRPr lang="en-US" sz="2040" dirty="0"/>
-          </a:p>
-        </p:txBody>
-      </p:sp>
-    </p:spTree>
-    <p:extLst>
-      <p:ext uri="{BB962C8B-B14F-4D97-AF65-F5344CB8AC3E}">
-        <p14:creationId xmlns:p14="http://schemas.microsoft.com/office/powerpoint/2010/main" val="3454056369"/>
       </p:ext>
     </p:extLst>
   </p:cSld>
@@ -10382,10 +10382,9 @@
           <a:lstStyle/>
           <a:p>
             <a:r>
-              <a:rPr lang="en-US"/>
-              <a:t>React Component Created Using ES5</a:t>
-            </a:r>
-            <a:endParaRPr lang="en-US" dirty="0"/>
+              <a:rPr lang="en-US" dirty="0"/>
+              <a:t>React Component Created Using JavaScript (ES5)</a:t>
+            </a:r>
           </a:p>
         </p:txBody>
       </p:sp>
@@ -11526,12 +11525,21 @@
 </file>
 
 <file path=customXml/item1.xml><?xml version="1.0" encoding="utf-8"?>
+<?mso-contentType ?>
+<FormTemplates xmlns="http://schemas.microsoft.com/sharepoint/v3/contenttype/forms">
+  <Display>DocumentLibraryForm</Display>
+  <Edit>DocumentLibraryForm</Edit>
+  <New>DocumentLibraryForm</New>
+</FormTemplates>
+</file>
+
+<file path=customXml/item2.xml><?xml version="1.0" encoding="utf-8"?>
 <p:properties xmlns:p="http://schemas.microsoft.com/office/2006/metadata/properties" xmlns:xsi="http://www.w3.org/2001/XMLSchema-instance" xmlns:pc="http://schemas.microsoft.com/office/infopath/2007/PartnerControls">
   <documentManagement/>
 </p:properties>
 </file>
 
-<file path=customXml/item2.xml><?xml version="1.0" encoding="utf-8"?>
+<file path=customXml/item3.xml><?xml version="1.0" encoding="utf-8"?>
 <ct:contentTypeSchema xmlns:ct="http://schemas.microsoft.com/office/2006/metadata/contentType" xmlns:ma="http://schemas.microsoft.com/office/2006/metadata/properties/metaAttributes" ct:_="" ma:_="" ma:contentTypeName="Document" ma:contentTypeID="0x0101000937CBA2829AB54C847AA138BDB6DD62" ma:contentTypeVersion="6" ma:contentTypeDescription="Create a new document." ma:contentTypeScope="" ma:versionID="0f7e39fa3406a6f330081ac46f53a9d2">
   <xsd:schema xmlns:xsd="http://www.w3.org/2001/XMLSchema" xmlns:xs="http://www.w3.org/2001/XMLSchema" xmlns:p="http://schemas.microsoft.com/office/2006/metadata/properties" xmlns:ns2="ef38329b-e139-4eb4-9d7a-1b84c79a6610" targetNamespace="http://schemas.microsoft.com/office/2006/metadata/properties" ma:root="true" ma:fieldsID="c5e10262f8d934c139771ac03f38712c" ns2:_="">
     <xsd:import namespace="ef38329b-e139-4eb4-9d7a-1b84c79a6610"/>
@@ -11683,16 +11691,15 @@
 </ct:contentTypeSchema>
 </file>
 
-<file path=customXml/item3.xml><?xml version="1.0" encoding="utf-8"?>
-<?mso-contentType ?>
-<FormTemplates xmlns="http://schemas.microsoft.com/sharepoint/v3/contenttype/forms">
-  <Display>DocumentLibraryForm</Display>
-  <Edit>DocumentLibraryForm</Edit>
-  <New>DocumentLibraryForm</New>
-</FormTemplates>
+<file path=customXml/itemProps1.xml><?xml version="1.0" encoding="utf-8"?>
+<ds:datastoreItem xmlns:ds="http://schemas.openxmlformats.org/officeDocument/2006/customXml" ds:itemID="{758FDAC0-319D-4A54-8D8E-1D42CB1F8004}">
+  <ds:schemaRefs>
+    <ds:schemaRef ds:uri="http://schemas.microsoft.com/sharepoint/v3/contenttype/forms"/>
+  </ds:schemaRefs>
+</ds:datastoreItem>
 </file>
 
-<file path=customXml/itemProps1.xml><?xml version="1.0" encoding="utf-8"?>
+<file path=customXml/itemProps2.xml><?xml version="1.0" encoding="utf-8"?>
 <ds:datastoreItem xmlns:ds="http://schemas.openxmlformats.org/officeDocument/2006/customXml" ds:itemID="{F990F116-B58F-4255-B05B-DA3808E0E5C6}">
   <ds:schemaRefs>
     <ds:schemaRef ds:uri="http://schemas.openxmlformats.org/package/2006/metadata/core-properties"/>
@@ -11708,7 +11715,7 @@
 </ds:datastoreItem>
 </file>
 
-<file path=customXml/itemProps2.xml><?xml version="1.0" encoding="utf-8"?>
+<file path=customXml/itemProps3.xml><?xml version="1.0" encoding="utf-8"?>
 <ds:datastoreItem xmlns:ds="http://schemas.openxmlformats.org/officeDocument/2006/customXml" ds:itemID="{A4052A8C-2220-4E4B-95E2-C05C9863F10E}">
   <ds:schemaRefs>
     <ds:schemaRef ds:uri="ef38329b-e139-4eb4-9d7a-1b84c79a6610"/>
@@ -11724,12 +11731,4 @@
     <ds:schemaRef ds:uri="http://www.w3.org/2001/XMLSchema"/>
   </ds:schemaRefs>
 </ds:datastoreItem>
-</file>
-
-<file path=customXml/itemProps3.xml><?xml version="1.0" encoding="utf-8"?>
-<ds:datastoreItem xmlns:ds="http://schemas.openxmlformats.org/officeDocument/2006/customXml" ds:itemID="{758FDAC0-319D-4A54-8D8E-1D42CB1F8004}">
-  <ds:schemaRefs>
-    <ds:schemaRef ds:uri="http://schemas.microsoft.com/sharepoint/v3/contenttype/forms"/>
-  </ds:schemaRefs>
-</ds:datastoreItem>
 </file>